--- a/docs/visualization.pptx
+++ b/docs/visualization.pptx
@@ -231,7 +231,7 @@
           <a:p>
             <a:fld id="{42FEBC89-07A4-4553-88ED-9A2DFBF426DE}" type="datetimeFigureOut">
               <a:rPr lang="ru-RU" smtClean="0"/>
-              <a:t>14.01.2022</a:t>
+              <a:t>30.01.2022</a:t>
             </a:fld>
             <a:endParaRPr lang="ru-RU"/>
           </a:p>
@@ -813,7 +813,7 @@
           <a:p>
             <a:fld id="{71854742-4952-468E-9DE7-80FF5D591F47}" type="datetimeFigureOut">
               <a:rPr lang="ru-RU" smtClean="0"/>
-              <a:t>14.01.2022</a:t>
+              <a:t>30.01.2022</a:t>
             </a:fld>
             <a:endParaRPr lang="ru-RU"/>
           </a:p>
@@ -1011,7 +1011,7 @@
           <a:p>
             <a:fld id="{71854742-4952-468E-9DE7-80FF5D591F47}" type="datetimeFigureOut">
               <a:rPr lang="ru-RU" smtClean="0"/>
-              <a:t>14.01.2022</a:t>
+              <a:t>30.01.2022</a:t>
             </a:fld>
             <a:endParaRPr lang="ru-RU"/>
           </a:p>
@@ -1219,7 +1219,7 @@
           <a:p>
             <a:fld id="{71854742-4952-468E-9DE7-80FF5D591F47}" type="datetimeFigureOut">
               <a:rPr lang="ru-RU" smtClean="0"/>
-              <a:t>14.01.2022</a:t>
+              <a:t>30.01.2022</a:t>
             </a:fld>
             <a:endParaRPr lang="ru-RU"/>
           </a:p>
@@ -1417,7 +1417,7 @@
           <a:p>
             <a:fld id="{71854742-4952-468E-9DE7-80FF5D591F47}" type="datetimeFigureOut">
               <a:rPr lang="ru-RU" smtClean="0"/>
-              <a:t>14.01.2022</a:t>
+              <a:t>30.01.2022</a:t>
             </a:fld>
             <a:endParaRPr lang="ru-RU"/>
           </a:p>
@@ -1692,7 +1692,7 @@
           <a:p>
             <a:fld id="{71854742-4952-468E-9DE7-80FF5D591F47}" type="datetimeFigureOut">
               <a:rPr lang="ru-RU" smtClean="0"/>
-              <a:t>14.01.2022</a:t>
+              <a:t>30.01.2022</a:t>
             </a:fld>
             <a:endParaRPr lang="ru-RU"/>
           </a:p>
@@ -1957,7 +1957,7 @@
           <a:p>
             <a:fld id="{71854742-4952-468E-9DE7-80FF5D591F47}" type="datetimeFigureOut">
               <a:rPr lang="ru-RU" smtClean="0"/>
-              <a:t>14.01.2022</a:t>
+              <a:t>30.01.2022</a:t>
             </a:fld>
             <a:endParaRPr lang="ru-RU"/>
           </a:p>
@@ -2369,7 +2369,7 @@
           <a:p>
             <a:fld id="{71854742-4952-468E-9DE7-80FF5D591F47}" type="datetimeFigureOut">
               <a:rPr lang="ru-RU" smtClean="0"/>
-              <a:t>14.01.2022</a:t>
+              <a:t>30.01.2022</a:t>
             </a:fld>
             <a:endParaRPr lang="ru-RU"/>
           </a:p>
@@ -2510,7 +2510,7 @@
           <a:p>
             <a:fld id="{71854742-4952-468E-9DE7-80FF5D591F47}" type="datetimeFigureOut">
               <a:rPr lang="ru-RU" smtClean="0"/>
-              <a:t>14.01.2022</a:t>
+              <a:t>30.01.2022</a:t>
             </a:fld>
             <a:endParaRPr lang="ru-RU"/>
           </a:p>
@@ -2623,7 +2623,7 @@
           <a:p>
             <a:fld id="{71854742-4952-468E-9DE7-80FF5D591F47}" type="datetimeFigureOut">
               <a:rPr lang="ru-RU" smtClean="0"/>
-              <a:t>14.01.2022</a:t>
+              <a:t>30.01.2022</a:t>
             </a:fld>
             <a:endParaRPr lang="ru-RU"/>
           </a:p>
@@ -2934,7 +2934,7 @@
           <a:p>
             <a:fld id="{71854742-4952-468E-9DE7-80FF5D591F47}" type="datetimeFigureOut">
               <a:rPr lang="ru-RU" smtClean="0"/>
-              <a:t>14.01.2022</a:t>
+              <a:t>30.01.2022</a:t>
             </a:fld>
             <a:endParaRPr lang="ru-RU"/>
           </a:p>
@@ -3222,7 +3222,7 @@
           <a:p>
             <a:fld id="{71854742-4952-468E-9DE7-80FF5D591F47}" type="datetimeFigureOut">
               <a:rPr lang="ru-RU" smtClean="0"/>
-              <a:t>14.01.2022</a:t>
+              <a:t>30.01.2022</a:t>
             </a:fld>
             <a:endParaRPr lang="ru-RU"/>
           </a:p>
@@ -3463,7 +3463,7 @@
           <a:p>
             <a:fld id="{71854742-4952-468E-9DE7-80FF5D591F47}" type="datetimeFigureOut">
               <a:rPr lang="ru-RU" smtClean="0"/>
-              <a:t>14.01.2022</a:t>
+              <a:t>30.01.2022</a:t>
             </a:fld>
             <a:endParaRPr lang="ru-RU"/>
           </a:p>
@@ -34819,7 +34819,7 @@
             </a:pPr>
             <a:r>
               <a:rPr lang="ru-RU" dirty="0"/>
-              <a:t>Заменить в исходной строке пары на из номера.</a:t>
+              <a:t>Заменить в исходной строке пары на их номера.</a:t>
             </a:r>
           </a:p>
           <a:p>
